--- a/approxAlgorithms/vecolor/figs.pptx
+++ b/approxAlgorithms/vecolor/figs.pptx
@@ -47344,10 +47344,10 @@
       </p:grpSp>
       <p:grpSp>
         <p:nvGrpSpPr>
-          <p:cNvPr id="118" name="Group 117">
+          <p:cNvPr id="9" name="Group 8">
             <a:extLst>
               <a:ext uri="{FF2B5EF4-FFF2-40B4-BE49-F238E27FC236}">
-                <a16:creationId xmlns:a16="http://schemas.microsoft.com/office/drawing/2014/main" id="{ADC2AF06-4DAD-0C41-C182-B549F38BEADB}"/>
+                <a16:creationId xmlns:a16="http://schemas.microsoft.com/office/drawing/2014/main" id="{29FBD02E-61F2-218C-E8BA-8BB69C7FFBB8}"/>
               </a:ext>
             </a:extLst>
           </p:cNvPr>
